--- a/Labo M4.pptx
+++ b/Labo M4.pptx
@@ -9,6 +9,8 @@
     <p:sldId id="258" r:id="rId3"/>
     <p:sldId id="257" r:id="rId4"/>
     <p:sldId id="259" r:id="rId5"/>
+    <p:sldId id="260" r:id="rId6"/>
+    <p:sldId id="262" r:id="rId7"/>
   </p:sldIdLst>
   <p:sldSz cx="12192000" cy="6858000"/>
   <p:notesSz cx="6858000" cy="9144000"/>
@@ -107,6 +109,11 @@
       </a:defRPr>
     </a:lvl9pPr>
   </p:defaultTextStyle>
+  <p:extLst>
+    <p:ext uri="{EFAFB233-063F-42B5-8137-9DF3F51BA10A}">
+      <p15:sldGuideLst xmlns:p15="http://schemas.microsoft.com/office/powerpoint/2012/main"/>
+    </p:ext>
+  </p:extLst>
 </p:presentation>
 </file>
 
@@ -3002,14 +3009,37 @@
         </p:nvSpPr>
         <p:spPr/>
         <p:txBody>
-          <a:bodyPr/>
+          <a:bodyPr>
+            <a:normAutofit lnSpcReduction="10000"/>
+          </a:bodyPr>
           <a:lstStyle/>
           <a:p>
             <a:r>
-              <a:rPr lang="nl-BE" dirty="0" smtClean="0"/>
-              <a:t>Bepalen van de magnetische veldsterkte van een magneet</a:t>
+              <a:rPr lang="nl-BE" u="sng" dirty="0" smtClean="0"/>
+              <a:t>Onderzoeksvragen:</a:t>
+            </a:r>
+            <a:endParaRPr lang="nl-BE" dirty="0" smtClean="0"/>
+          </a:p>
+          <a:p>
+            <a:r>
+              <a:rPr lang="nl-NL" dirty="0"/>
+              <a:t>1. Leid experimenteel de vergelijking van de Lorentzkracht </a:t>
+            </a:r>
+            <a:r>
+              <a:rPr lang="nl-NL" dirty="0" smtClean="0"/>
+              <a:t>af.</a:t>
             </a:r>
             <a:endParaRPr lang="nl-BE" dirty="0"/>
+          </a:p>
+          <a:p>
+            <a:r>
+              <a:rPr lang="nl-NL" dirty="0"/>
+              <a:t>2. We zoeken een methode om de magnetische veldsterkte van een magneet te bepalen. </a:t>
+            </a:r>
+            <a:endParaRPr lang="nl-BE" dirty="0"/>
+          </a:p>
+          <a:p>
+            <a:endParaRPr lang="nl-BE" u="sng" dirty="0"/>
           </a:p>
         </p:txBody>
       </p:sp>
@@ -3075,7 +3105,7 @@
       </p:sp>
       <p:sp>
         <p:nvSpPr>
-          <p:cNvPr id="3" name="Tijdelijke aanduiding voor inhoud 2"/>
+          <p:cNvPr id="6" name="Tijdelijke aanduiding voor inhoud 2"/>
           <p:cNvSpPr>
             <a:spLocks noGrp="1"/>
           </p:cNvSpPr>
@@ -3083,15 +3113,204 @@
             <p:ph idx="1"/>
           </p:nvPr>
         </p:nvSpPr>
-        <p:spPr/>
-        <p:txBody>
-          <a:bodyPr/>
+        <p:spPr>
+          <a:xfrm>
+            <a:off x="838200" y="1825625"/>
+            <a:ext cx="10515600" cy="4351338"/>
+          </a:xfrm>
+        </p:spPr>
+        <p:txBody>
+          <a:bodyPr>
+            <a:normAutofit/>
+          </a:bodyPr>
           <a:lstStyle/>
           <a:p>
-            <a:endParaRPr lang="nl-BE" dirty="0"/>
-          </a:p>
-        </p:txBody>
-      </p:sp>
+            <a:pPr marL="0" indent="0">
+              <a:buNone/>
+            </a:pPr>
+            <a:r>
+              <a:rPr lang="nl-BE" sz="2600" dirty="0" smtClean="0"/>
+              <a:t>1. Plaats de U-vormige magneet op de balans en tarreer.</a:t>
+            </a:r>
+          </a:p>
+          <a:p>
+            <a:pPr marL="0" lvl="0" indent="0" algn="just" eaLnBrk="0" fontAlgn="base" hangingPunct="0">
+              <a:lnSpc>
+                <a:spcPct val="100000"/>
+              </a:lnSpc>
+              <a:spcBef>
+                <a:spcPct val="0"/>
+              </a:spcBef>
+              <a:spcAft>
+                <a:spcPct val="0"/>
+              </a:spcAft>
+              <a:buNone/>
+            </a:pPr>
+            <a:r>
+              <a:rPr lang="nl-NL" altLang="nl-BE" sz="2600" dirty="0" smtClean="0">
+                <a:ea typeface="Times New Roman" panose="02020603050405020304" pitchFamily="18" charset="0"/>
+                <a:cs typeface="Arial" panose="020B0604020202020204" pitchFamily="34" charset="0"/>
+              </a:rPr>
+              <a:t>2. Maak een printplaatje met een geleider van willekeurige lengte goed </a:t>
+            </a:r>
+            <a:r>
+              <a:rPr lang="nl-NL" altLang="nl-BE" sz="2600" dirty="0">
+                <a:ea typeface="Times New Roman" panose="02020603050405020304" pitchFamily="18" charset="0"/>
+                <a:cs typeface="Arial" panose="020B0604020202020204" pitchFamily="34" charset="0"/>
+              </a:rPr>
+              <a:t>aan de </a:t>
+            </a:r>
+            <a:r>
+              <a:rPr lang="nl-NL" altLang="nl-BE" sz="2600" dirty="0" smtClean="0">
+                <a:ea typeface="Times New Roman" panose="02020603050405020304" pitchFamily="18" charset="0"/>
+                <a:cs typeface="Arial" panose="020B0604020202020204" pitchFamily="34" charset="0"/>
+              </a:rPr>
+              <a:t>stroombalans vast.</a:t>
+            </a:r>
+            <a:endParaRPr lang="nl-BE" altLang="nl-BE" sz="2600" dirty="0" smtClean="0"/>
+          </a:p>
+          <a:p>
+            <a:pPr marL="0" lvl="0" indent="0" algn="just" eaLnBrk="0" fontAlgn="base" hangingPunct="0">
+              <a:lnSpc>
+                <a:spcPct val="100000"/>
+              </a:lnSpc>
+              <a:spcBef>
+                <a:spcPct val="0"/>
+              </a:spcBef>
+              <a:spcAft>
+                <a:spcPct val="0"/>
+              </a:spcAft>
+              <a:buNone/>
+            </a:pPr>
+            <a:r>
+              <a:rPr lang="nl-NL" altLang="nl-BE" sz="2600" dirty="0" smtClean="0">
+                <a:ea typeface="Times New Roman" panose="02020603050405020304" pitchFamily="18" charset="0"/>
+                <a:cs typeface="Arial" panose="020B0604020202020204" pitchFamily="34" charset="0"/>
+              </a:rPr>
+              <a:t>3. Maak de stroombalans vast in een statief zodat de </a:t>
+            </a:r>
+            <a:r>
+              <a:rPr lang="nl-NL" altLang="nl-BE" sz="2600" dirty="0" err="1" smtClean="0">
+                <a:ea typeface="Times New Roman" panose="02020603050405020304" pitchFamily="18" charset="0"/>
+                <a:cs typeface="Arial" panose="020B0604020202020204" pitchFamily="34" charset="0"/>
+              </a:rPr>
+              <a:t>stroomvoerende</a:t>
+            </a:r>
+            <a:r>
+              <a:rPr lang="nl-NL" altLang="nl-BE" sz="2600" dirty="0" smtClean="0">
+                <a:ea typeface="Times New Roman" panose="02020603050405020304" pitchFamily="18" charset="0"/>
+                <a:cs typeface="Arial" panose="020B0604020202020204" pitchFamily="34" charset="0"/>
+              </a:rPr>
+              <a:t> geleider zich perfect horizontaal tussen de polen van de magneet bevindt. Zorg ervoor dat de geleider net niet raakt aan </a:t>
+            </a:r>
+          </a:p>
+          <a:p>
+            <a:pPr marL="0" lvl="0" indent="0" algn="just" eaLnBrk="0" fontAlgn="base" hangingPunct="0">
+              <a:lnSpc>
+                <a:spcPct val="100000"/>
+              </a:lnSpc>
+              <a:spcBef>
+                <a:spcPct val="0"/>
+              </a:spcBef>
+              <a:spcAft>
+                <a:spcPct val="0"/>
+              </a:spcAft>
+              <a:buNone/>
+            </a:pPr>
+            <a:r>
+              <a:rPr lang="nl-NL" altLang="nl-BE" sz="2600" dirty="0" smtClean="0">
+                <a:ea typeface="Times New Roman" panose="02020603050405020304" pitchFamily="18" charset="0"/>
+                <a:cs typeface="Arial" panose="020B0604020202020204" pitchFamily="34" charset="0"/>
+              </a:rPr>
+              <a:t>de magneet, noch aan de onderkant, noch aan </a:t>
+            </a:r>
+          </a:p>
+          <a:p>
+            <a:pPr marL="0" lvl="0" indent="0" algn="just" eaLnBrk="0" fontAlgn="base" hangingPunct="0">
+              <a:lnSpc>
+                <a:spcPct val="100000"/>
+              </a:lnSpc>
+              <a:spcBef>
+                <a:spcPct val="0"/>
+              </a:spcBef>
+              <a:spcAft>
+                <a:spcPct val="0"/>
+              </a:spcAft>
+              <a:buNone/>
+            </a:pPr>
+            <a:r>
+              <a:rPr lang="nl-NL" altLang="nl-BE" sz="2600" dirty="0" smtClean="0">
+                <a:ea typeface="Times New Roman" panose="02020603050405020304" pitchFamily="18" charset="0"/>
+                <a:cs typeface="Arial" panose="020B0604020202020204" pitchFamily="34" charset="0"/>
+              </a:rPr>
+              <a:t>de zijkanten. </a:t>
+            </a:r>
+          </a:p>
+          <a:p>
+            <a:pPr marL="0" lvl="0" indent="0" algn="just" eaLnBrk="0" fontAlgn="base" hangingPunct="0">
+              <a:lnSpc>
+                <a:spcPct val="100000"/>
+              </a:lnSpc>
+              <a:spcBef>
+                <a:spcPct val="0"/>
+              </a:spcBef>
+              <a:spcAft>
+                <a:spcPct val="0"/>
+              </a:spcAft>
+              <a:buNone/>
+            </a:pPr>
+            <a:r>
+              <a:rPr lang="nl-NL" altLang="nl-BE" sz="2600" dirty="0" smtClean="0">
+                <a:ea typeface="Times New Roman" panose="02020603050405020304" pitchFamily="18" charset="0"/>
+                <a:cs typeface="Arial" panose="020B0604020202020204" pitchFamily="34" charset="0"/>
+              </a:rPr>
+              <a:t>4. Verbind de stroombalans met de stroombron.</a:t>
+            </a:r>
+            <a:endParaRPr lang="nl-BE" sz="2600" dirty="0"/>
+          </a:p>
+        </p:txBody>
+      </p:sp>
+      <p:pic>
+        <p:nvPicPr>
+          <p:cNvPr id="7" name="Afbeelding 1"/>
+          <p:cNvPicPr>
+            <a:picLocks noChangeAspect="1" noChangeArrowheads="1"/>
+          </p:cNvPicPr>
+          <p:nvPr/>
+        </p:nvPicPr>
+        <p:blipFill>
+          <a:blip r:embed="rId2">
+            <a:extLst>
+              <a:ext uri="{28A0092B-C50C-407E-A947-70E740481C1C}">
+                <a14:useLocalDpi xmlns:a14="http://schemas.microsoft.com/office/drawing/2010/main" val="0"/>
+              </a:ext>
+            </a:extLst>
+          </a:blip>
+          <a:srcRect/>
+          <a:stretch>
+            <a:fillRect/>
+          </a:stretch>
+        </p:blipFill>
+        <p:spPr bwMode="auto">
+          <a:xfrm>
+            <a:off x="7447793" y="3851564"/>
+            <a:ext cx="4725736" cy="2987964"/>
+          </a:xfrm>
+          <a:prstGeom prst="rect">
+            <a:avLst/>
+          </a:prstGeom>
+          <a:noFill/>
+          <a:extLst>
+            <a:ext uri="{909E8E84-426E-40DD-AFC4-6F175D3DCCD1}">
+              <a14:hiddenFill xmlns:a14="http://schemas.microsoft.com/office/drawing/2010/main">
+                <a:solidFill>
+                  <a:srgbClr val="FFFFFF"/>
+                </a:solidFill>
+              </a14:hiddenFill>
+            </a:ext>
+          </a:extLst>
+        </p:spPr>
+      </p:pic>
     </p:spTree>
     <p:extLst>
       <p:ext uri="{BB962C8B-B14F-4D97-AF65-F5344CB8AC3E}">
@@ -3152,8 +3371,8 @@
           </a:p>
         </p:txBody>
       </p:sp>
-      <mc:AlternateContent xmlns:mc="http://schemas.openxmlformats.org/markup-compatibility/2006">
-        <mc:Choice xmlns:a14="http://schemas.microsoft.com/office/drawing/2010/main" Requires="a14">
+      <mc:AlternateContent xmlns:mc="http://schemas.openxmlformats.org/markup-compatibility/2006" xmlns:a14="http://schemas.microsoft.com/office/drawing/2010/main">
+        <mc:Choice Requires="a14">
           <p:sp>
             <p:nvSpPr>
               <p:cNvPr id="3" name="Tijdelijke aanduiding voor inhoud 2"/>
@@ -3332,11 +3551,7 @@
                 </a14:m>
                 <a:r>
                   <a:rPr lang="nl-BE" dirty="0" smtClean="0"/>
-                  <a:t> richting I en </a:t>
-                </a:r>
-                <a:r>
-                  <a:rPr lang="nl-BE" dirty="0" smtClean="0"/>
-                  <a:t>F </a:t>
+                  <a:t> richting I en F </a:t>
                 </a:r>
                 <a14:m>
                   <m:oMath xmlns:m="http://schemas.openxmlformats.org/officeDocument/2006/math">
@@ -3382,7 +3597,7 @@
             </p:txBody>
           </p:sp>
         </mc:Choice>
-        <mc:Fallback>
+        <mc:Fallback xmlns="">
           <p:sp>
             <p:nvSpPr>
               <p:cNvPr id="3" name="Tijdelijke aanduiding voor inhoud 2"/>
@@ -3450,11 +3665,11 @@
   <p:clrMapOvr>
     <a:masterClrMapping/>
   </p:clrMapOvr>
-  <mc:AlternateContent xmlns:mc="http://schemas.openxmlformats.org/markup-compatibility/2006">
-    <mc:Choice xmlns:p14="http://schemas.microsoft.com/office/powerpoint/2010/main" Requires="p14">
+  <mc:AlternateContent xmlns:mc="http://schemas.openxmlformats.org/markup-compatibility/2006" xmlns:p14="http://schemas.microsoft.com/office/powerpoint/2010/main">
+    <mc:Choice Requires="p14">
       <p:transition p14:dur="10"/>
     </mc:Choice>
-    <mc:Fallback>
+    <mc:Fallback xmlns="">
       <p:transition/>
     </mc:Fallback>
   </mc:AlternateContent>
@@ -3596,7 +3811,7 @@
         </p:nvGrpSpPr>
         <p:grpSpPr>
           <a:xfrm>
-            <a:off x="7656944" y="4701308"/>
+            <a:off x="7629236" y="4433463"/>
             <a:ext cx="3980873" cy="1944542"/>
             <a:chOff x="7656944" y="4701308"/>
             <a:chExt cx="3980873" cy="1944542"/>
@@ -3903,7 +4118,10 @@
             </a:r>
           </a:p>
           <a:p>
-            <a:endParaRPr lang="nl-BE" dirty="0" smtClean="0"/>
+            <a:pPr marL="0" indent="0">
+              <a:buNone/>
+            </a:pPr>
+            <a:endParaRPr lang="nl-BE" sz="1600" dirty="0" smtClean="0"/>
           </a:p>
           <a:p>
             <a:pPr marL="0" indent="0">
@@ -3942,7 +4160,7 @@
         </p:nvGrpSpPr>
         <p:grpSpPr>
           <a:xfrm>
-            <a:off x="535708" y="4701309"/>
+            <a:off x="508000" y="4433464"/>
             <a:ext cx="3980873" cy="1944541"/>
             <a:chOff x="535708" y="4701309"/>
             <a:chExt cx="3980873" cy="1944541"/>
@@ -4202,7 +4420,7 @@
         </p:nvCxnSpPr>
         <p:spPr>
           <a:xfrm flipV="1">
-            <a:off x="9647381" y="5439135"/>
+            <a:off x="9619673" y="5171290"/>
             <a:ext cx="0" cy="458534"/>
           </a:xfrm>
           <a:prstGeom prst="straightConnector1">
@@ -4238,7 +4456,7 @@
         </p:nvCxnSpPr>
         <p:spPr>
           <a:xfrm>
-            <a:off x="9651998" y="4918362"/>
+            <a:off x="9624290" y="4650517"/>
             <a:ext cx="0" cy="458534"/>
           </a:xfrm>
           <a:prstGeom prst="straightConnector1">
@@ -4274,7 +4492,7 @@
         </p:nvCxnSpPr>
         <p:spPr>
           <a:xfrm>
-            <a:off x="2526145" y="5881399"/>
+            <a:off x="2498437" y="5613554"/>
             <a:ext cx="0" cy="458534"/>
           </a:xfrm>
           <a:prstGeom prst="straightConnector1">
@@ -4310,7 +4528,7 @@
         </p:nvCxnSpPr>
         <p:spPr>
           <a:xfrm flipV="1">
-            <a:off x="2526145" y="4459828"/>
+            <a:off x="2498437" y="4191983"/>
             <a:ext cx="0" cy="458534"/>
           </a:xfrm>
           <a:prstGeom prst="straightConnector1">
@@ -4348,7 +4566,7 @@
             </p:nvSpPr>
             <p:spPr>
               <a:xfrm>
-                <a:off x="1366982" y="6217506"/>
+                <a:off x="1339274" y="5949661"/>
                 <a:ext cx="1394691" cy="369332"/>
               </a:xfrm>
               <a:prstGeom prst="rect">
@@ -4392,7 +4610,7 @@
             </p:nvSpPr>
             <p:spPr>
               <a:xfrm>
-                <a:off x="1366982" y="6217506"/>
+                <a:off x="1339274" y="5949661"/>
                 <a:ext cx="1394691" cy="369332"/>
               </a:xfrm>
               <a:prstGeom prst="rect">
@@ -4401,7 +4619,7 @@
               <a:blipFill>
                 <a:blip r:embed="rId2"/>
                 <a:stretch>
-                  <a:fillRect l="-3493" t="-9836" b="-24590"/>
+                  <a:fillRect l="-3947" t="-9836" b="-24590"/>
                 </a:stretch>
               </a:blipFill>
             </p:spPr>
@@ -4430,7 +4648,7 @@
             </p:nvSpPr>
             <p:spPr>
               <a:xfrm>
-                <a:off x="8488218" y="6209350"/>
+                <a:off x="8460510" y="5941505"/>
                 <a:ext cx="1265382" cy="369332"/>
               </a:xfrm>
               <a:prstGeom prst="rect">
@@ -4474,7 +4692,7 @@
             </p:nvSpPr>
             <p:spPr>
               <a:xfrm>
-                <a:off x="8488218" y="6209350"/>
+                <a:off x="8460510" y="5941505"/>
                 <a:ext cx="1265382" cy="369332"/>
               </a:xfrm>
               <a:prstGeom prst="rect">
@@ -4483,7 +4701,7 @@
               <a:blipFill>
                 <a:blip r:embed="rId3"/>
                 <a:stretch>
-                  <a:fillRect l="-3846" t="-10000" b="-26667"/>
+                  <a:fillRect l="-4348" t="-10000" b="-26667"/>
                 </a:stretch>
               </a:blipFill>
             </p:spPr>
@@ -4510,7 +4728,7 @@
         </p:nvSpPr>
         <p:spPr>
           <a:xfrm>
-            <a:off x="2752436" y="5840018"/>
+            <a:off x="2724728" y="5572173"/>
             <a:ext cx="1191491" cy="369332"/>
           </a:xfrm>
           <a:prstGeom prst="rect">
@@ -4540,7 +4758,7 @@
         </p:nvSpPr>
         <p:spPr>
           <a:xfrm>
-            <a:off x="9836728" y="5864541"/>
+            <a:off x="9809020" y="5596696"/>
             <a:ext cx="1191491" cy="369332"/>
           </a:xfrm>
           <a:prstGeom prst="rect">
@@ -4570,7 +4788,7 @@
         </p:nvSpPr>
         <p:spPr>
           <a:xfrm>
-            <a:off x="2867891" y="4367622"/>
+            <a:off x="2840183" y="4099777"/>
             <a:ext cx="2733961" cy="369332"/>
           </a:xfrm>
           <a:prstGeom prst="rect">
@@ -4604,7 +4822,7 @@
         </p:nvSpPr>
         <p:spPr>
           <a:xfrm>
-            <a:off x="9647380" y="4345309"/>
+            <a:off x="9619672" y="4077464"/>
             <a:ext cx="2733961" cy="369332"/>
           </a:xfrm>
           <a:prstGeom prst="rect">
@@ -4638,7 +4856,7 @@
         </p:nvCxnSpPr>
         <p:spPr>
           <a:xfrm flipH="1">
-            <a:off x="2623127" y="4664428"/>
+            <a:off x="2595419" y="4396583"/>
             <a:ext cx="281709" cy="253934"/>
           </a:xfrm>
           <a:prstGeom prst="straightConnector1">
@@ -4674,7 +4892,7 @@
         </p:nvCxnSpPr>
         <p:spPr>
           <a:xfrm flipH="1">
-            <a:off x="9744365" y="4644398"/>
+            <a:off x="9716657" y="4376553"/>
             <a:ext cx="217054" cy="243057"/>
           </a:xfrm>
           <a:prstGeom prst="straightConnector1">
@@ -5198,6 +5416,1519 @@
 </p:sld>
 </file>
 
+<file path=ppt/slides/slide5.xml><?xml version="1.0" encoding="utf-8"?>
+<p:sld xmlns:a="http://schemas.openxmlformats.org/drawingml/2006/main" xmlns:r="http://schemas.openxmlformats.org/officeDocument/2006/relationships" xmlns:p="http://schemas.openxmlformats.org/presentationml/2006/main">
+  <p:cSld>
+    <p:spTree>
+      <p:nvGrpSpPr>
+        <p:cNvPr id="1" name=""/>
+        <p:cNvGrpSpPr/>
+        <p:nvPr/>
+      </p:nvGrpSpPr>
+      <p:grpSpPr>
+        <a:xfrm>
+          <a:off x="0" y="0"/>
+          <a:ext cx="0" cy="0"/>
+          <a:chOff x="0" y="0"/>
+          <a:chExt cx="0" cy="0"/>
+        </a:xfrm>
+      </p:grpSpPr>
+      <p:grpSp>
+        <p:nvGrpSpPr>
+          <p:cNvPr id="26" name="Groep 25"/>
+          <p:cNvGrpSpPr/>
+          <p:nvPr/>
+        </p:nvGrpSpPr>
+        <p:grpSpPr>
+          <a:xfrm>
+            <a:off x="7656944" y="1542475"/>
+            <a:ext cx="3980873" cy="1944542"/>
+            <a:chOff x="7656944" y="4701308"/>
+            <a:chExt cx="3980873" cy="1944542"/>
+          </a:xfrm>
+        </p:grpSpPr>
+        <p:grpSp>
+          <p:nvGrpSpPr>
+            <p:cNvPr id="10" name="Groep 9"/>
+            <p:cNvGrpSpPr/>
+            <p:nvPr/>
+          </p:nvGrpSpPr>
+          <p:grpSpPr>
+            <a:xfrm>
+              <a:off x="8488218" y="4701308"/>
+              <a:ext cx="2318327" cy="1475655"/>
+              <a:chOff x="1366982" y="4701309"/>
+              <a:chExt cx="2318327" cy="1475655"/>
+            </a:xfrm>
+          </p:grpSpPr>
+          <p:grpSp>
+            <p:nvGrpSpPr>
+              <p:cNvPr id="11" name="Groep 10"/>
+              <p:cNvGrpSpPr/>
+              <p:nvPr/>
+            </p:nvGrpSpPr>
+            <p:grpSpPr>
+              <a:xfrm>
+                <a:off x="1366982" y="4701309"/>
+                <a:ext cx="2318327" cy="1475655"/>
+                <a:chOff x="1366982" y="4701309"/>
+                <a:chExt cx="2318327" cy="1475655"/>
+              </a:xfrm>
+            </p:grpSpPr>
+            <p:sp>
+              <p:nvSpPr>
+                <p:cNvPr id="13" name="Rechthoek 12"/>
+                <p:cNvSpPr/>
+                <p:nvPr/>
+              </p:nvSpPr>
+              <p:spPr>
+                <a:xfrm>
+                  <a:off x="1366982" y="4701309"/>
+                  <a:ext cx="591127" cy="1475654"/>
+                </a:xfrm>
+                <a:prstGeom prst="rect">
+                  <a:avLst/>
+                </a:prstGeom>
+                <a:ln>
+                  <a:noFill/>
+                </a:ln>
+              </p:spPr>
+              <p:style>
+                <a:lnRef idx="2">
+                  <a:schemeClr val="accent1">
+                    <a:shade val="50000"/>
+                  </a:schemeClr>
+                </a:lnRef>
+                <a:fillRef idx="1">
+                  <a:schemeClr val="accent1"/>
+                </a:fillRef>
+                <a:effectRef idx="0">
+                  <a:schemeClr val="accent1"/>
+                </a:effectRef>
+                <a:fontRef idx="minor">
+                  <a:schemeClr val="lt1"/>
+                </a:fontRef>
+              </p:style>
+              <p:txBody>
+                <a:bodyPr rtlCol="0" anchor="ctr"/>
+                <a:lstStyle/>
+                <a:p>
+                  <a:pPr algn="ctr"/>
+                  <a:endParaRPr lang="nl-BE"/>
+                </a:p>
+              </p:txBody>
+            </p:sp>
+            <p:sp>
+              <p:nvSpPr>
+                <p:cNvPr id="14" name="Rechthoek 13"/>
+                <p:cNvSpPr/>
+                <p:nvPr/>
+              </p:nvSpPr>
+              <p:spPr>
+                <a:xfrm rot="5400000">
+                  <a:off x="2230582" y="5313364"/>
+                  <a:ext cx="591127" cy="1136073"/>
+                </a:xfrm>
+                <a:prstGeom prst="rect">
+                  <a:avLst/>
+                </a:prstGeom>
+                <a:ln>
+                  <a:noFill/>
+                </a:ln>
+              </p:spPr>
+              <p:style>
+                <a:lnRef idx="2">
+                  <a:schemeClr val="accent1">
+                    <a:shade val="50000"/>
+                  </a:schemeClr>
+                </a:lnRef>
+                <a:fillRef idx="1">
+                  <a:schemeClr val="accent1"/>
+                </a:fillRef>
+                <a:effectRef idx="0">
+                  <a:schemeClr val="accent1"/>
+                </a:effectRef>
+                <a:fontRef idx="minor">
+                  <a:schemeClr val="lt1"/>
+                </a:fontRef>
+              </p:style>
+              <p:txBody>
+                <a:bodyPr rtlCol="0" anchor="ctr"/>
+                <a:lstStyle/>
+                <a:p>
+                  <a:pPr algn="ctr"/>
+                  <a:endParaRPr lang="nl-BE"/>
+                </a:p>
+              </p:txBody>
+            </p:sp>
+            <p:sp>
+              <p:nvSpPr>
+                <p:cNvPr id="15" name="Rechthoek 14"/>
+                <p:cNvSpPr/>
+                <p:nvPr/>
+              </p:nvSpPr>
+              <p:spPr>
+                <a:xfrm>
+                  <a:off x="3094182" y="4701309"/>
+                  <a:ext cx="591127" cy="1475654"/>
+                </a:xfrm>
+                <a:prstGeom prst="rect">
+                  <a:avLst/>
+                </a:prstGeom>
+                <a:ln>
+                  <a:noFill/>
+                </a:ln>
+              </p:spPr>
+              <p:style>
+                <a:lnRef idx="2">
+                  <a:schemeClr val="accent1">
+                    <a:shade val="50000"/>
+                  </a:schemeClr>
+                </a:lnRef>
+                <a:fillRef idx="1">
+                  <a:schemeClr val="accent1"/>
+                </a:fillRef>
+                <a:effectRef idx="0">
+                  <a:schemeClr val="accent1"/>
+                </a:effectRef>
+                <a:fontRef idx="minor">
+                  <a:schemeClr val="lt1"/>
+                </a:fontRef>
+              </p:style>
+              <p:txBody>
+                <a:bodyPr rtlCol="0" anchor="ctr"/>
+                <a:lstStyle/>
+                <a:p>
+                  <a:pPr algn="ctr"/>
+                  <a:endParaRPr lang="nl-BE"/>
+                </a:p>
+              </p:txBody>
+            </p:sp>
+          </p:grpSp>
+          <p:sp>
+            <p:nvSpPr>
+              <p:cNvPr id="12" name="Ovaal 11"/>
+              <p:cNvSpPr/>
+              <p:nvPr/>
+            </p:nvSpPr>
+            <p:spPr>
+              <a:xfrm>
+                <a:off x="2299854" y="4701309"/>
+                <a:ext cx="452582" cy="434109"/>
+              </a:xfrm>
+              <a:prstGeom prst="ellipse">
+                <a:avLst/>
+              </a:prstGeom>
+            </p:spPr>
+            <p:style>
+              <a:lnRef idx="2">
+                <a:schemeClr val="accent1">
+                  <a:shade val="50000"/>
+                </a:schemeClr>
+              </a:lnRef>
+              <a:fillRef idx="1">
+                <a:schemeClr val="accent1"/>
+              </a:fillRef>
+              <a:effectRef idx="0">
+                <a:schemeClr val="accent1"/>
+              </a:effectRef>
+              <a:fontRef idx="minor">
+                <a:schemeClr val="lt1"/>
+              </a:fontRef>
+            </p:style>
+            <p:txBody>
+              <a:bodyPr rtlCol="0" anchor="ctr"/>
+              <a:lstStyle/>
+              <a:p>
+                <a:pPr algn="ctr"/>
+                <a:endParaRPr lang="nl-BE"/>
+              </a:p>
+            </p:txBody>
+          </p:sp>
+        </p:grpSp>
+        <p:sp>
+          <p:nvSpPr>
+            <p:cNvPr id="25" name="Rechthoek 24"/>
+            <p:cNvSpPr/>
+            <p:nvPr/>
+          </p:nvSpPr>
+          <p:spPr>
+            <a:xfrm>
+              <a:off x="7656944" y="6174796"/>
+              <a:ext cx="3980873" cy="471054"/>
+            </a:xfrm>
+            <a:prstGeom prst="rect">
+              <a:avLst/>
+            </a:prstGeom>
+            <a:solidFill>
+              <a:srgbClr val="92D050"/>
+            </a:solidFill>
+            <a:ln>
+              <a:noFill/>
+            </a:ln>
+          </p:spPr>
+          <p:style>
+            <a:lnRef idx="2">
+              <a:schemeClr val="accent1">
+                <a:shade val="50000"/>
+              </a:schemeClr>
+            </a:lnRef>
+            <a:fillRef idx="1">
+              <a:schemeClr val="accent1"/>
+            </a:fillRef>
+            <a:effectRef idx="0">
+              <a:schemeClr val="accent1"/>
+            </a:effectRef>
+            <a:fontRef idx="minor">
+              <a:schemeClr val="lt1"/>
+            </a:fontRef>
+          </p:style>
+          <p:txBody>
+            <a:bodyPr rtlCol="0" anchor="ctr"/>
+            <a:lstStyle/>
+            <a:p>
+              <a:pPr algn="ctr"/>
+              <a:endParaRPr lang="nl-BE"/>
+            </a:p>
+          </p:txBody>
+        </p:sp>
+      </p:grpSp>
+      <p:sp>
+        <p:nvSpPr>
+          <p:cNvPr id="2" name="Titel 1"/>
+          <p:cNvSpPr>
+            <a:spLocks noGrp="1"/>
+          </p:cNvSpPr>
+          <p:nvPr>
+            <p:ph type="title"/>
+          </p:nvPr>
+        </p:nvSpPr>
+        <p:spPr/>
+        <p:txBody>
+          <a:bodyPr/>
+          <a:lstStyle/>
+          <a:p>
+            <a:r>
+              <a:rPr lang="nl-BE" dirty="0" smtClean="0"/>
+              <a:t>Effect Lorentzkracht op balans</a:t>
+            </a:r>
+            <a:endParaRPr lang="nl-BE" dirty="0"/>
+          </a:p>
+        </p:txBody>
+      </p:sp>
+      <mc:AlternateContent xmlns:mc="http://schemas.openxmlformats.org/markup-compatibility/2006">
+        <mc:Choice xmlns:a14="http://schemas.microsoft.com/office/drawing/2010/main" Requires="a14">
+          <p:sp>
+            <p:nvSpPr>
+              <p:cNvPr id="3" name="Tijdelijke aanduiding voor inhoud 2"/>
+              <p:cNvSpPr>
+                <a:spLocks noGrp="1"/>
+              </p:cNvSpPr>
+              <p:nvPr>
+                <p:ph idx="1"/>
+              </p:nvPr>
+            </p:nvSpPr>
+            <p:spPr>
+              <a:xfrm>
+                <a:off x="838200" y="3543337"/>
+                <a:ext cx="10515600" cy="2633625"/>
+              </a:xfrm>
+            </p:spPr>
+            <p:txBody>
+              <a:bodyPr/>
+              <a:lstStyle/>
+              <a:p>
+                <a:pPr marL="0" indent="0">
+                  <a:buNone/>
+                </a:pPr>
+                <a:r>
+                  <a:rPr lang="nl-BE" dirty="0" smtClean="0"/>
+                  <a:t>Gewicht waarmee balans omhoog of omlaag gaat = Lorentzkracht op de draad:</a:t>
+                </a:r>
+              </a:p>
+              <a:p>
+                <a:pPr marL="0" indent="0">
+                  <a:buNone/>
+                </a:pPr>
+                <a14:m>
+                  <m:oMathPara xmlns:m="http://schemas.openxmlformats.org/officeDocument/2006/math">
+                    <m:oMathParaPr>
+                      <m:jc m:val="centerGroup"/>
+                    </m:oMathParaPr>
+                    <m:oMath xmlns:m="http://schemas.openxmlformats.org/officeDocument/2006/math">
+                      <m:r>
+                        <m:rPr>
+                          <m:sty m:val="p"/>
+                        </m:rPr>
+                        <a:rPr lang="nl-BE" b="0" i="0" smtClean="0">
+                          <a:latin typeface="Cambria Math" panose="02040503050406030204" pitchFamily="18" charset="0"/>
+                        </a:rPr>
+                        <m:t>B</m:t>
+                      </m:r>
+                      <m:r>
+                        <a:rPr lang="nl-BE" b="0" i="0" smtClean="0">
+                          <a:latin typeface="Cambria Math" panose="02040503050406030204" pitchFamily="18" charset="0"/>
+                        </a:rPr>
+                        <m:t>⋅</m:t>
+                      </m:r>
+                      <m:r>
+                        <m:rPr>
+                          <m:sty m:val="p"/>
+                        </m:rPr>
+                        <a:rPr lang="nl-BE" b="0" i="0" smtClean="0">
+                          <a:latin typeface="Cambria Math" panose="02040503050406030204" pitchFamily="18" charset="0"/>
+                        </a:rPr>
+                        <m:t>I</m:t>
+                      </m:r>
+                      <m:r>
+                        <a:rPr lang="nl-BE" b="0" i="0" smtClean="0">
+                          <a:latin typeface="Cambria Math" panose="02040503050406030204" pitchFamily="18" charset="0"/>
+                        </a:rPr>
+                        <m:t>⋅</m:t>
+                      </m:r>
+                      <m:r>
+                        <m:rPr>
+                          <m:sty m:val="p"/>
+                        </m:rPr>
+                        <a:rPr lang="nl-BE" b="0" i="0" smtClean="0">
+                          <a:latin typeface="Cambria Math" panose="02040503050406030204" pitchFamily="18" charset="0"/>
+                        </a:rPr>
+                        <m:t>L</m:t>
+                      </m:r>
+                      <m:r>
+                        <a:rPr lang="nl-BE" b="0" i="0" smtClean="0">
+                          <a:latin typeface="Cambria Math" panose="02040503050406030204" pitchFamily="18" charset="0"/>
+                        </a:rPr>
+                        <m:t>=</m:t>
+                      </m:r>
+                      <m:sSub>
+                        <m:sSubPr>
+                          <m:ctrlPr>
+                            <a:rPr lang="nl-BE" b="0" smtClean="0">
+                              <a:latin typeface="Cambria Math" panose="02040503050406030204" pitchFamily="18" charset="0"/>
+                            </a:rPr>
+                          </m:ctrlPr>
+                        </m:sSubPr>
+                        <m:e>
+                          <m:r>
+                            <m:rPr>
+                              <m:sty m:val="p"/>
+                            </m:rPr>
+                            <a:rPr lang="nl-BE" b="0" i="0" smtClean="0">
+                              <a:latin typeface="Cambria Math" panose="02040503050406030204" pitchFamily="18" charset="0"/>
+                            </a:rPr>
+                            <m:t>F</m:t>
+                          </m:r>
+                        </m:e>
+                        <m:sub>
+                          <m:r>
+                            <m:rPr>
+                              <m:sty m:val="p"/>
+                            </m:rPr>
+                            <a:rPr lang="nl-BE" b="0" i="0" smtClean="0">
+                              <a:latin typeface="Cambria Math" panose="02040503050406030204" pitchFamily="18" charset="0"/>
+                            </a:rPr>
+                            <m:t>L</m:t>
+                          </m:r>
+                        </m:sub>
+                      </m:sSub>
+                      <m:r>
+                        <a:rPr lang="nl-BE" b="0" i="0" smtClean="0">
+                          <a:latin typeface="Cambria Math" panose="02040503050406030204" pitchFamily="18" charset="0"/>
+                        </a:rPr>
+                        <m:t>=</m:t>
+                      </m:r>
+                      <m:sSub>
+                        <m:sSubPr>
+                          <m:ctrlPr>
+                            <a:rPr lang="nl-BE" b="0" smtClean="0">
+                              <a:latin typeface="Cambria Math" panose="02040503050406030204" pitchFamily="18" charset="0"/>
+                            </a:rPr>
+                          </m:ctrlPr>
+                        </m:sSubPr>
+                        <m:e>
+                          <m:r>
+                            <m:rPr>
+                              <m:sty m:val="p"/>
+                            </m:rPr>
+                            <a:rPr lang="nl-BE" b="0" i="0" smtClean="0">
+                              <a:latin typeface="Cambria Math" panose="02040503050406030204" pitchFamily="18" charset="0"/>
+                            </a:rPr>
+                            <m:t>F</m:t>
+                          </m:r>
+                        </m:e>
+                        <m:sub>
+                          <m:r>
+                            <m:rPr>
+                              <m:sty m:val="p"/>
+                            </m:rPr>
+                            <a:rPr lang="nl-BE" b="0" i="0" smtClean="0">
+                              <a:latin typeface="Cambria Math" panose="02040503050406030204" pitchFamily="18" charset="0"/>
+                            </a:rPr>
+                            <m:t>g</m:t>
+                          </m:r>
+                        </m:sub>
+                      </m:sSub>
+                      <m:r>
+                        <a:rPr lang="nl-BE" b="0" i="0" smtClean="0">
+                          <a:latin typeface="Cambria Math" panose="02040503050406030204" pitchFamily="18" charset="0"/>
+                        </a:rPr>
+                        <m:t>=</m:t>
+                      </m:r>
+                      <m:r>
+                        <m:rPr>
+                          <m:sty m:val="p"/>
+                        </m:rPr>
+                        <a:rPr lang="nl-BE" b="0" i="0" smtClean="0">
+                          <a:latin typeface="Cambria Math" panose="02040503050406030204" pitchFamily="18" charset="0"/>
+                        </a:rPr>
+                        <m:t>m</m:t>
+                      </m:r>
+                      <m:r>
+                        <a:rPr lang="nl-BE" b="0" i="0" smtClean="0">
+                          <a:latin typeface="Cambria Math" panose="02040503050406030204" pitchFamily="18" charset="0"/>
+                        </a:rPr>
+                        <m:t>⋅</m:t>
+                      </m:r>
+                      <m:r>
+                        <m:rPr>
+                          <m:sty m:val="p"/>
+                        </m:rPr>
+                        <a:rPr lang="nl-BE" b="0" i="0" smtClean="0">
+                          <a:latin typeface="Cambria Math" panose="02040503050406030204" pitchFamily="18" charset="0"/>
+                        </a:rPr>
+                        <m:t>g</m:t>
+                      </m:r>
+                    </m:oMath>
+                  </m:oMathPara>
+                </a14:m>
+                <a:endParaRPr lang="nl-BE" dirty="0"/>
+              </a:p>
+            </p:txBody>
+          </p:sp>
+        </mc:Choice>
+        <mc:Fallback>
+          <p:sp>
+            <p:nvSpPr>
+              <p:cNvPr id="3" name="Tijdelijke aanduiding voor inhoud 2"/>
+              <p:cNvSpPr>
+                <a:spLocks noGrp="1" noRot="1" noChangeAspect="1" noMove="1" noResize="1" noEditPoints="1" noAdjustHandles="1" noChangeArrowheads="1" noChangeShapeType="1" noTextEdit="1"/>
+              </p:cNvSpPr>
+              <p:nvPr>
+                <p:ph idx="1"/>
+              </p:nvPr>
+            </p:nvSpPr>
+            <p:spPr>
+              <a:xfrm>
+                <a:off x="838200" y="3543337"/>
+                <a:ext cx="10515600" cy="2633625"/>
+              </a:xfrm>
+              <a:blipFill>
+                <a:blip r:embed="rId2"/>
+                <a:stretch>
+                  <a:fillRect l="-1217" t="-3704"/>
+                </a:stretch>
+              </a:blipFill>
+            </p:spPr>
+            <p:txBody>
+              <a:bodyPr/>
+              <a:lstStyle/>
+              <a:p>
+                <a:r>
+                  <a:rPr lang="nl-BE">
+                    <a:noFill/>
+                  </a:rPr>
+                  <a:t> </a:t>
+                </a:r>
+              </a:p>
+            </p:txBody>
+          </p:sp>
+        </mc:Fallback>
+      </mc:AlternateContent>
+      <p:grpSp>
+        <p:nvGrpSpPr>
+          <p:cNvPr id="24" name="Groep 23"/>
+          <p:cNvGrpSpPr/>
+          <p:nvPr/>
+        </p:nvGrpSpPr>
+        <p:grpSpPr>
+          <a:xfrm>
+            <a:off x="535708" y="1542476"/>
+            <a:ext cx="3980873" cy="1944541"/>
+            <a:chOff x="535708" y="4701309"/>
+            <a:chExt cx="3980873" cy="1944541"/>
+          </a:xfrm>
+        </p:grpSpPr>
+        <p:sp>
+          <p:nvSpPr>
+            <p:cNvPr id="23" name="Rechthoek 22"/>
+            <p:cNvSpPr/>
+            <p:nvPr/>
+          </p:nvSpPr>
+          <p:spPr>
+            <a:xfrm>
+              <a:off x="535708" y="6174796"/>
+              <a:ext cx="3980873" cy="471054"/>
+            </a:xfrm>
+            <a:prstGeom prst="rect">
+              <a:avLst/>
+            </a:prstGeom>
+            <a:solidFill>
+              <a:srgbClr val="92D050"/>
+            </a:solidFill>
+            <a:ln>
+              <a:noFill/>
+            </a:ln>
+          </p:spPr>
+          <p:style>
+            <a:lnRef idx="2">
+              <a:schemeClr val="accent1">
+                <a:shade val="50000"/>
+              </a:schemeClr>
+            </a:lnRef>
+            <a:fillRef idx="1">
+              <a:schemeClr val="accent1"/>
+            </a:fillRef>
+            <a:effectRef idx="0">
+              <a:schemeClr val="accent1"/>
+            </a:effectRef>
+            <a:fontRef idx="minor">
+              <a:schemeClr val="lt1"/>
+            </a:fontRef>
+          </p:style>
+          <p:txBody>
+            <a:bodyPr rtlCol="0" anchor="ctr"/>
+            <a:lstStyle/>
+            <a:p>
+              <a:pPr algn="ctr"/>
+              <a:endParaRPr lang="nl-BE"/>
+            </a:p>
+          </p:txBody>
+        </p:sp>
+        <p:grpSp>
+          <p:nvGrpSpPr>
+            <p:cNvPr id="9" name="Groep 8"/>
+            <p:cNvGrpSpPr/>
+            <p:nvPr/>
+          </p:nvGrpSpPr>
+          <p:grpSpPr>
+            <a:xfrm>
+              <a:off x="1366982" y="4701309"/>
+              <a:ext cx="2318327" cy="1475655"/>
+              <a:chOff x="1366982" y="4701309"/>
+              <a:chExt cx="2318327" cy="1475655"/>
+            </a:xfrm>
+          </p:grpSpPr>
+          <p:grpSp>
+            <p:nvGrpSpPr>
+              <p:cNvPr id="7" name="Groep 6"/>
+              <p:cNvGrpSpPr/>
+              <p:nvPr/>
+            </p:nvGrpSpPr>
+            <p:grpSpPr>
+              <a:xfrm>
+                <a:off x="1366982" y="4701309"/>
+                <a:ext cx="2318327" cy="1475655"/>
+                <a:chOff x="1366982" y="4701309"/>
+                <a:chExt cx="2318327" cy="1475655"/>
+              </a:xfrm>
+            </p:grpSpPr>
+            <p:sp>
+              <p:nvSpPr>
+                <p:cNvPr id="4" name="Rechthoek 3"/>
+                <p:cNvSpPr/>
+                <p:nvPr/>
+              </p:nvSpPr>
+              <p:spPr>
+                <a:xfrm>
+                  <a:off x="1366982" y="4701309"/>
+                  <a:ext cx="591127" cy="1475654"/>
+                </a:xfrm>
+                <a:prstGeom prst="rect">
+                  <a:avLst/>
+                </a:prstGeom>
+                <a:ln>
+                  <a:noFill/>
+                </a:ln>
+              </p:spPr>
+              <p:style>
+                <a:lnRef idx="2">
+                  <a:schemeClr val="accent1">
+                    <a:shade val="50000"/>
+                  </a:schemeClr>
+                </a:lnRef>
+                <a:fillRef idx="1">
+                  <a:schemeClr val="accent1"/>
+                </a:fillRef>
+                <a:effectRef idx="0">
+                  <a:schemeClr val="accent1"/>
+                </a:effectRef>
+                <a:fontRef idx="minor">
+                  <a:schemeClr val="lt1"/>
+                </a:fontRef>
+              </p:style>
+              <p:txBody>
+                <a:bodyPr rtlCol="0" anchor="ctr"/>
+                <a:lstStyle/>
+                <a:p>
+                  <a:pPr algn="ctr"/>
+                  <a:endParaRPr lang="nl-BE"/>
+                </a:p>
+              </p:txBody>
+            </p:sp>
+            <p:sp>
+              <p:nvSpPr>
+                <p:cNvPr id="5" name="Rechthoek 4"/>
+                <p:cNvSpPr/>
+                <p:nvPr/>
+              </p:nvSpPr>
+              <p:spPr>
+                <a:xfrm rot="5400000">
+                  <a:off x="2230582" y="5313364"/>
+                  <a:ext cx="591127" cy="1136073"/>
+                </a:xfrm>
+                <a:prstGeom prst="rect">
+                  <a:avLst/>
+                </a:prstGeom>
+                <a:ln>
+                  <a:noFill/>
+                </a:ln>
+              </p:spPr>
+              <p:style>
+                <a:lnRef idx="2">
+                  <a:schemeClr val="accent1">
+                    <a:shade val="50000"/>
+                  </a:schemeClr>
+                </a:lnRef>
+                <a:fillRef idx="1">
+                  <a:schemeClr val="accent1"/>
+                </a:fillRef>
+                <a:effectRef idx="0">
+                  <a:schemeClr val="accent1"/>
+                </a:effectRef>
+                <a:fontRef idx="minor">
+                  <a:schemeClr val="lt1"/>
+                </a:fontRef>
+              </p:style>
+              <p:txBody>
+                <a:bodyPr rtlCol="0" anchor="ctr"/>
+                <a:lstStyle/>
+                <a:p>
+                  <a:pPr algn="ctr"/>
+                  <a:endParaRPr lang="nl-BE"/>
+                </a:p>
+              </p:txBody>
+            </p:sp>
+            <p:sp>
+              <p:nvSpPr>
+                <p:cNvPr id="6" name="Rechthoek 5"/>
+                <p:cNvSpPr/>
+                <p:nvPr/>
+              </p:nvSpPr>
+              <p:spPr>
+                <a:xfrm>
+                  <a:off x="3094182" y="4701309"/>
+                  <a:ext cx="591127" cy="1475654"/>
+                </a:xfrm>
+                <a:prstGeom prst="rect">
+                  <a:avLst/>
+                </a:prstGeom>
+                <a:ln>
+                  <a:noFill/>
+                </a:ln>
+              </p:spPr>
+              <p:style>
+                <a:lnRef idx="2">
+                  <a:schemeClr val="accent1">
+                    <a:shade val="50000"/>
+                  </a:schemeClr>
+                </a:lnRef>
+                <a:fillRef idx="1">
+                  <a:schemeClr val="accent1"/>
+                </a:fillRef>
+                <a:effectRef idx="0">
+                  <a:schemeClr val="accent1"/>
+                </a:effectRef>
+                <a:fontRef idx="minor">
+                  <a:schemeClr val="lt1"/>
+                </a:fontRef>
+              </p:style>
+              <p:txBody>
+                <a:bodyPr rtlCol="0" anchor="ctr"/>
+                <a:lstStyle/>
+                <a:p>
+                  <a:pPr algn="ctr"/>
+                  <a:endParaRPr lang="nl-BE"/>
+                </a:p>
+              </p:txBody>
+            </p:sp>
+          </p:grpSp>
+          <p:sp>
+            <p:nvSpPr>
+              <p:cNvPr id="8" name="Ovaal 7"/>
+              <p:cNvSpPr/>
+              <p:nvPr/>
+            </p:nvSpPr>
+            <p:spPr>
+              <a:xfrm>
+                <a:off x="2299854" y="4701309"/>
+                <a:ext cx="452582" cy="434109"/>
+              </a:xfrm>
+              <a:prstGeom prst="ellipse">
+                <a:avLst/>
+              </a:prstGeom>
+            </p:spPr>
+            <p:style>
+              <a:lnRef idx="2">
+                <a:schemeClr val="accent1">
+                  <a:shade val="50000"/>
+                </a:schemeClr>
+              </a:lnRef>
+              <a:fillRef idx="1">
+                <a:schemeClr val="accent1"/>
+              </a:fillRef>
+              <a:effectRef idx="0">
+                <a:schemeClr val="accent1"/>
+              </a:effectRef>
+              <a:fontRef idx="minor">
+                <a:schemeClr val="lt1"/>
+              </a:fontRef>
+            </p:style>
+            <p:txBody>
+              <a:bodyPr rtlCol="0" anchor="ctr"/>
+              <a:lstStyle/>
+              <a:p>
+                <a:pPr algn="ctr"/>
+                <a:endParaRPr lang="nl-BE"/>
+              </a:p>
+            </p:txBody>
+          </p:sp>
+        </p:grpSp>
+      </p:grpSp>
+      <p:cxnSp>
+        <p:nvCxnSpPr>
+          <p:cNvPr id="18" name="Rechte verbindingslijn met pijl 17"/>
+          <p:cNvCxnSpPr/>
+          <p:nvPr/>
+        </p:nvCxnSpPr>
+        <p:spPr>
+          <a:xfrm flipV="1">
+            <a:off x="9647381" y="2280302"/>
+            <a:ext cx="0" cy="458534"/>
+          </a:xfrm>
+          <a:prstGeom prst="straightConnector1">
+            <a:avLst/>
+          </a:prstGeom>
+          <a:ln w="38100">
+            <a:solidFill>
+              <a:srgbClr val="FF0000"/>
+            </a:solidFill>
+            <a:tailEnd type="triangle"/>
+          </a:ln>
+        </p:spPr>
+        <p:style>
+          <a:lnRef idx="1">
+            <a:schemeClr val="accent1"/>
+          </a:lnRef>
+          <a:fillRef idx="0">
+            <a:schemeClr val="accent1"/>
+          </a:fillRef>
+          <a:effectRef idx="0">
+            <a:schemeClr val="accent1"/>
+          </a:effectRef>
+          <a:fontRef idx="minor">
+            <a:schemeClr val="tx1"/>
+          </a:fontRef>
+        </p:style>
+      </p:cxnSp>
+      <p:cxnSp>
+        <p:nvCxnSpPr>
+          <p:cNvPr id="20" name="Rechte verbindingslijn met pijl 19"/>
+          <p:cNvCxnSpPr/>
+          <p:nvPr/>
+        </p:nvCxnSpPr>
+        <p:spPr>
+          <a:xfrm>
+            <a:off x="9651998" y="1759529"/>
+            <a:ext cx="0" cy="458534"/>
+          </a:xfrm>
+          <a:prstGeom prst="straightConnector1">
+            <a:avLst/>
+          </a:prstGeom>
+          <a:ln w="38100">
+            <a:solidFill>
+              <a:srgbClr val="FF0000"/>
+            </a:solidFill>
+            <a:tailEnd type="triangle"/>
+          </a:ln>
+        </p:spPr>
+        <p:style>
+          <a:lnRef idx="1">
+            <a:schemeClr val="accent1"/>
+          </a:lnRef>
+          <a:fillRef idx="0">
+            <a:schemeClr val="accent1"/>
+          </a:fillRef>
+          <a:effectRef idx="0">
+            <a:schemeClr val="accent1"/>
+          </a:effectRef>
+          <a:fontRef idx="minor">
+            <a:schemeClr val="tx1"/>
+          </a:fontRef>
+        </p:style>
+      </p:cxnSp>
+      <p:cxnSp>
+        <p:nvCxnSpPr>
+          <p:cNvPr id="21" name="Rechte verbindingslijn met pijl 20"/>
+          <p:cNvCxnSpPr/>
+          <p:nvPr/>
+        </p:nvCxnSpPr>
+        <p:spPr>
+          <a:xfrm>
+            <a:off x="2526145" y="2722566"/>
+            <a:ext cx="0" cy="458534"/>
+          </a:xfrm>
+          <a:prstGeom prst="straightConnector1">
+            <a:avLst/>
+          </a:prstGeom>
+          <a:ln w="38100">
+            <a:solidFill>
+              <a:srgbClr val="FF0000"/>
+            </a:solidFill>
+            <a:tailEnd type="triangle"/>
+          </a:ln>
+        </p:spPr>
+        <p:style>
+          <a:lnRef idx="1">
+            <a:schemeClr val="accent1"/>
+          </a:lnRef>
+          <a:fillRef idx="0">
+            <a:schemeClr val="accent1"/>
+          </a:fillRef>
+          <a:effectRef idx="0">
+            <a:schemeClr val="accent1"/>
+          </a:effectRef>
+          <a:fontRef idx="minor">
+            <a:schemeClr val="tx1"/>
+          </a:fontRef>
+        </p:style>
+      </p:cxnSp>
+      <p:cxnSp>
+        <p:nvCxnSpPr>
+          <p:cNvPr id="22" name="Rechte verbindingslijn met pijl 21"/>
+          <p:cNvCxnSpPr/>
+          <p:nvPr/>
+        </p:nvCxnSpPr>
+        <p:spPr>
+          <a:xfrm flipV="1">
+            <a:off x="2526145" y="1300995"/>
+            <a:ext cx="0" cy="458534"/>
+          </a:xfrm>
+          <a:prstGeom prst="straightConnector1">
+            <a:avLst/>
+          </a:prstGeom>
+          <a:ln w="38100">
+            <a:solidFill>
+              <a:srgbClr val="FF0000"/>
+            </a:solidFill>
+            <a:tailEnd type="triangle"/>
+          </a:ln>
+        </p:spPr>
+        <p:style>
+          <a:lnRef idx="1">
+            <a:schemeClr val="accent1"/>
+          </a:lnRef>
+          <a:fillRef idx="0">
+            <a:schemeClr val="accent1"/>
+          </a:fillRef>
+          <a:effectRef idx="0">
+            <a:schemeClr val="accent1"/>
+          </a:effectRef>
+          <a:fontRef idx="minor">
+            <a:schemeClr val="tx1"/>
+          </a:fontRef>
+        </p:style>
+      </p:cxnSp>
+      <mc:AlternateContent xmlns:mc="http://schemas.openxmlformats.org/markup-compatibility/2006">
+        <mc:Choice xmlns:a14="http://schemas.microsoft.com/office/drawing/2010/main" Requires="a14">
+          <p:sp>
+            <p:nvSpPr>
+              <p:cNvPr id="27" name="Tekstvak 26"/>
+              <p:cNvSpPr txBox="1"/>
+              <p:nvPr/>
+            </p:nvSpPr>
+            <p:spPr>
+              <a:xfrm>
+                <a:off x="1366982" y="3058673"/>
+                <a:ext cx="1394691" cy="369332"/>
+              </a:xfrm>
+              <a:prstGeom prst="rect">
+                <a:avLst/>
+              </a:prstGeom>
+              <a:noFill/>
+            </p:spPr>
+            <p:txBody>
+              <a:bodyPr wrap="square" rtlCol="0">
+                <a:spAutoFit/>
+              </a:bodyPr>
+              <a:lstStyle/>
+              <a:p>
+                <a:r>
+                  <a:rPr lang="nl-BE" dirty="0" smtClean="0"/>
+                  <a:t>Balans  </a:t>
+                </a:r>
+                <a14:m>
+                  <m:oMath xmlns:m="http://schemas.openxmlformats.org/officeDocument/2006/math">
+                    <m:r>
+                      <a:rPr lang="nl-BE" b="0" i="1" smtClean="0">
+                        <a:latin typeface="Cambria Math" panose="02040503050406030204" pitchFamily="18" charset="0"/>
+                      </a:rPr>
+                      <m:t>↑</m:t>
+                    </m:r>
+                  </m:oMath>
+                </a14:m>
+                <a:endParaRPr lang="nl-BE" dirty="0"/>
+              </a:p>
+            </p:txBody>
+          </p:sp>
+        </mc:Choice>
+        <mc:Fallback>
+          <p:sp>
+            <p:nvSpPr>
+              <p:cNvPr id="27" name="Tekstvak 26"/>
+              <p:cNvSpPr txBox="1">
+                <a:spLocks noRot="1" noChangeAspect="1" noMove="1" noResize="1" noEditPoints="1" noAdjustHandles="1" noChangeArrowheads="1" noChangeShapeType="1" noTextEdit="1"/>
+              </p:cNvSpPr>
+              <p:nvPr/>
+            </p:nvSpPr>
+            <p:spPr>
+              <a:xfrm>
+                <a:off x="1366982" y="3058673"/>
+                <a:ext cx="1394691" cy="369332"/>
+              </a:xfrm>
+              <a:prstGeom prst="rect">
+                <a:avLst/>
+              </a:prstGeom>
+              <a:blipFill>
+                <a:blip r:embed="rId3"/>
+                <a:stretch>
+                  <a:fillRect l="-3493" t="-10000" b="-26667"/>
+                </a:stretch>
+              </a:blipFill>
+            </p:spPr>
+            <p:txBody>
+              <a:bodyPr/>
+              <a:lstStyle/>
+              <a:p>
+                <a:r>
+                  <a:rPr lang="nl-BE">
+                    <a:noFill/>
+                  </a:rPr>
+                  <a:t> </a:t>
+                </a:r>
+              </a:p>
+            </p:txBody>
+          </p:sp>
+        </mc:Fallback>
+      </mc:AlternateContent>
+      <mc:AlternateContent xmlns:mc="http://schemas.openxmlformats.org/markup-compatibility/2006">
+        <mc:Choice xmlns:a14="http://schemas.microsoft.com/office/drawing/2010/main" Requires="a14">
+          <p:sp>
+            <p:nvSpPr>
+              <p:cNvPr id="28" name="Tekstvak 27"/>
+              <p:cNvSpPr txBox="1"/>
+              <p:nvPr/>
+            </p:nvSpPr>
+            <p:spPr>
+              <a:xfrm>
+                <a:off x="8488218" y="3050517"/>
+                <a:ext cx="1265382" cy="369332"/>
+              </a:xfrm>
+              <a:prstGeom prst="rect">
+                <a:avLst/>
+              </a:prstGeom>
+              <a:noFill/>
+            </p:spPr>
+            <p:txBody>
+              <a:bodyPr wrap="square" rtlCol="0">
+                <a:spAutoFit/>
+              </a:bodyPr>
+              <a:lstStyle/>
+              <a:p>
+                <a:r>
+                  <a:rPr lang="nl-BE" dirty="0" smtClean="0"/>
+                  <a:t>Balans  </a:t>
+                </a:r>
+                <a14:m>
+                  <m:oMath xmlns:m="http://schemas.openxmlformats.org/officeDocument/2006/math">
+                    <m:r>
+                      <a:rPr lang="nl-BE" b="0" i="1" smtClean="0">
+                        <a:latin typeface="Cambria Math" panose="02040503050406030204" pitchFamily="18" charset="0"/>
+                      </a:rPr>
+                      <m:t>↓</m:t>
+                    </m:r>
+                  </m:oMath>
+                </a14:m>
+                <a:endParaRPr lang="nl-BE" dirty="0"/>
+              </a:p>
+            </p:txBody>
+          </p:sp>
+        </mc:Choice>
+        <mc:Fallback>
+          <p:sp>
+            <p:nvSpPr>
+              <p:cNvPr id="28" name="Tekstvak 27"/>
+              <p:cNvSpPr txBox="1">
+                <a:spLocks noRot="1" noChangeAspect="1" noMove="1" noResize="1" noEditPoints="1" noAdjustHandles="1" noChangeArrowheads="1" noChangeShapeType="1" noTextEdit="1"/>
+              </p:cNvSpPr>
+              <p:nvPr/>
+            </p:nvSpPr>
+            <p:spPr>
+              <a:xfrm>
+                <a:off x="8488218" y="3050517"/>
+                <a:ext cx="1265382" cy="369332"/>
+              </a:xfrm>
+              <a:prstGeom prst="rect">
+                <a:avLst/>
+              </a:prstGeom>
+              <a:blipFill>
+                <a:blip r:embed="rId4"/>
+                <a:stretch>
+                  <a:fillRect l="-3846" t="-8197" b="-24590"/>
+                </a:stretch>
+              </a:blipFill>
+            </p:spPr>
+            <p:txBody>
+              <a:bodyPr/>
+              <a:lstStyle/>
+              <a:p>
+                <a:r>
+                  <a:rPr lang="nl-BE">
+                    <a:noFill/>
+                  </a:rPr>
+                  <a:t> </a:t>
+                </a:r>
+              </a:p>
+            </p:txBody>
+          </p:sp>
+        </mc:Fallback>
+      </mc:AlternateContent>
+      <p:sp>
+        <p:nvSpPr>
+          <p:cNvPr id="29" name="Tekstvak 28"/>
+          <p:cNvSpPr txBox="1"/>
+          <p:nvPr/>
+        </p:nvSpPr>
+        <p:spPr>
+          <a:xfrm>
+            <a:off x="2752436" y="2681185"/>
+            <a:ext cx="1191491" cy="369332"/>
+          </a:xfrm>
+          <a:prstGeom prst="rect">
+            <a:avLst/>
+          </a:prstGeom>
+          <a:noFill/>
+        </p:spPr>
+        <p:txBody>
+          <a:bodyPr wrap="square" rtlCol="0">
+            <a:spAutoFit/>
+          </a:bodyPr>
+          <a:lstStyle/>
+          <a:p>
+            <a:r>
+              <a:rPr lang="nl-BE" dirty="0" smtClean="0"/>
+              <a:t>Magneet</a:t>
+            </a:r>
+            <a:endParaRPr lang="nl-BE" dirty="0"/>
+          </a:p>
+        </p:txBody>
+      </p:sp>
+      <p:sp>
+        <p:nvSpPr>
+          <p:cNvPr id="30" name="Tekstvak 29"/>
+          <p:cNvSpPr txBox="1"/>
+          <p:nvPr/>
+        </p:nvSpPr>
+        <p:spPr>
+          <a:xfrm>
+            <a:off x="9836728" y="2705708"/>
+            <a:ext cx="1191491" cy="369332"/>
+          </a:xfrm>
+          <a:prstGeom prst="rect">
+            <a:avLst/>
+          </a:prstGeom>
+          <a:noFill/>
+        </p:spPr>
+        <p:txBody>
+          <a:bodyPr wrap="square" rtlCol="0">
+            <a:spAutoFit/>
+          </a:bodyPr>
+          <a:lstStyle/>
+          <a:p>
+            <a:r>
+              <a:rPr lang="nl-BE" dirty="0" smtClean="0"/>
+              <a:t>Magneet</a:t>
+            </a:r>
+            <a:endParaRPr lang="nl-BE" dirty="0"/>
+          </a:p>
+        </p:txBody>
+      </p:sp>
+      <p:sp>
+        <p:nvSpPr>
+          <p:cNvPr id="31" name="Tekstvak 30"/>
+          <p:cNvSpPr txBox="1"/>
+          <p:nvPr/>
+        </p:nvSpPr>
+        <p:spPr>
+          <a:xfrm>
+            <a:off x="2867891" y="1208789"/>
+            <a:ext cx="2733961" cy="369332"/>
+          </a:xfrm>
+          <a:prstGeom prst="rect">
+            <a:avLst/>
+          </a:prstGeom>
+          <a:noFill/>
+        </p:spPr>
+        <p:txBody>
+          <a:bodyPr wrap="square" rtlCol="0">
+            <a:spAutoFit/>
+          </a:bodyPr>
+          <a:lstStyle/>
+          <a:p>
+            <a:r>
+              <a:rPr lang="nl-BE" dirty="0" err="1" smtClean="0"/>
+              <a:t>Stroomvoerende</a:t>
+            </a:r>
+            <a:r>
+              <a:rPr lang="nl-BE" dirty="0" smtClean="0"/>
+              <a:t> geleider</a:t>
+            </a:r>
+            <a:endParaRPr lang="nl-BE" dirty="0"/>
+          </a:p>
+        </p:txBody>
+      </p:sp>
+      <p:sp>
+        <p:nvSpPr>
+          <p:cNvPr id="32" name="Tekstvak 31"/>
+          <p:cNvSpPr txBox="1"/>
+          <p:nvPr/>
+        </p:nvSpPr>
+        <p:spPr>
+          <a:xfrm>
+            <a:off x="9647380" y="1186476"/>
+            <a:ext cx="2733961" cy="369332"/>
+          </a:xfrm>
+          <a:prstGeom prst="rect">
+            <a:avLst/>
+          </a:prstGeom>
+          <a:noFill/>
+        </p:spPr>
+        <p:txBody>
+          <a:bodyPr wrap="square" rtlCol="0">
+            <a:spAutoFit/>
+          </a:bodyPr>
+          <a:lstStyle/>
+          <a:p>
+            <a:r>
+              <a:rPr lang="nl-BE" dirty="0" err="1" smtClean="0"/>
+              <a:t>Stroomvoerende</a:t>
+            </a:r>
+            <a:r>
+              <a:rPr lang="nl-BE" dirty="0" smtClean="0"/>
+              <a:t> geleider</a:t>
+            </a:r>
+            <a:endParaRPr lang="nl-BE" dirty="0"/>
+          </a:p>
+        </p:txBody>
+      </p:sp>
+      <p:cxnSp>
+        <p:nvCxnSpPr>
+          <p:cNvPr id="34" name="Rechte verbindingslijn met pijl 33"/>
+          <p:cNvCxnSpPr/>
+          <p:nvPr/>
+        </p:nvCxnSpPr>
+        <p:spPr>
+          <a:xfrm flipH="1">
+            <a:off x="2623127" y="1505595"/>
+            <a:ext cx="281709" cy="253934"/>
+          </a:xfrm>
+          <a:prstGeom prst="straightConnector1">
+            <a:avLst/>
+          </a:prstGeom>
+          <a:ln w="19050">
+            <a:solidFill>
+              <a:schemeClr val="tx1"/>
+            </a:solidFill>
+            <a:tailEnd type="triangle"/>
+          </a:ln>
+        </p:spPr>
+        <p:style>
+          <a:lnRef idx="1">
+            <a:schemeClr val="accent1"/>
+          </a:lnRef>
+          <a:fillRef idx="0">
+            <a:schemeClr val="accent1"/>
+          </a:fillRef>
+          <a:effectRef idx="0">
+            <a:schemeClr val="accent1"/>
+          </a:effectRef>
+          <a:fontRef idx="minor">
+            <a:schemeClr val="tx1"/>
+          </a:fontRef>
+        </p:style>
+      </p:cxnSp>
+      <p:cxnSp>
+        <p:nvCxnSpPr>
+          <p:cNvPr id="35" name="Rechte verbindingslijn met pijl 34"/>
+          <p:cNvCxnSpPr/>
+          <p:nvPr/>
+        </p:nvCxnSpPr>
+        <p:spPr>
+          <a:xfrm flipH="1">
+            <a:off x="9744365" y="1485565"/>
+            <a:ext cx="217054" cy="243057"/>
+          </a:xfrm>
+          <a:prstGeom prst="straightConnector1">
+            <a:avLst/>
+          </a:prstGeom>
+          <a:ln w="19050">
+            <a:solidFill>
+              <a:schemeClr val="tx1"/>
+            </a:solidFill>
+            <a:tailEnd type="triangle"/>
+          </a:ln>
+        </p:spPr>
+        <p:style>
+          <a:lnRef idx="1">
+            <a:schemeClr val="accent1"/>
+          </a:lnRef>
+          <a:fillRef idx="0">
+            <a:schemeClr val="accent1"/>
+          </a:fillRef>
+          <a:effectRef idx="0">
+            <a:schemeClr val="accent1"/>
+          </a:effectRef>
+          <a:fontRef idx="minor">
+            <a:schemeClr val="tx1"/>
+          </a:fontRef>
+        </p:style>
+      </p:cxnSp>
+    </p:spTree>
+    <p:extLst>
+      <p:ext uri="{BB962C8B-B14F-4D97-AF65-F5344CB8AC3E}">
+        <p14:creationId xmlns:p14="http://schemas.microsoft.com/office/powerpoint/2010/main" val="1075806846"/>
+      </p:ext>
+    </p:extLst>
+  </p:cSld>
+  <p:clrMapOvr>
+    <a:masterClrMapping/>
+  </p:clrMapOvr>
+  <p:timing>
+    <p:tnLst>
+      <p:par>
+        <p:cTn id="1" dur="indefinite" restart="never" nodeType="tmRoot"/>
+      </p:par>
+    </p:tnLst>
+  </p:timing>
+</p:sld>
+</file>
+
+<file path=ppt/slides/slide6.xml><?xml version="1.0" encoding="utf-8"?>
+<p:sld xmlns:a="http://schemas.openxmlformats.org/drawingml/2006/main" xmlns:r="http://schemas.openxmlformats.org/officeDocument/2006/relationships" xmlns:p="http://schemas.openxmlformats.org/presentationml/2006/main">
+  <p:cSld>
+    <p:spTree>
+      <p:nvGrpSpPr>
+        <p:cNvPr id="1" name=""/>
+        <p:cNvGrpSpPr/>
+        <p:nvPr/>
+      </p:nvGrpSpPr>
+      <p:grpSpPr>
+        <a:xfrm>
+          <a:off x="0" y="0"/>
+          <a:ext cx="0" cy="0"/>
+          <a:chOff x="0" y="0"/>
+          <a:chExt cx="0" cy="0"/>
+        </a:xfrm>
+      </p:grpSpPr>
+      <p:sp>
+        <p:nvSpPr>
+          <p:cNvPr id="2" name="Titel 1"/>
+          <p:cNvSpPr>
+            <a:spLocks noGrp="1"/>
+          </p:cNvSpPr>
+          <p:nvPr>
+            <p:ph type="ctrTitle"/>
+          </p:nvPr>
+        </p:nvSpPr>
+        <p:spPr>
+          <a:xfrm>
+            <a:off x="1524000" y="166254"/>
+            <a:ext cx="9144000" cy="1441018"/>
+          </a:xfrm>
+        </p:spPr>
+        <p:txBody>
+          <a:bodyPr>
+            <a:normAutofit/>
+          </a:bodyPr>
+          <a:lstStyle/>
+          <a:p>
+            <a:r>
+              <a:rPr lang="nl-BE" dirty="0" smtClean="0"/>
+              <a:t>Labo M4: de stroombalans</a:t>
+            </a:r>
+            <a:endParaRPr lang="nl-BE" dirty="0"/>
+          </a:p>
+        </p:txBody>
+      </p:sp>
+      <p:sp>
+        <p:nvSpPr>
+          <p:cNvPr id="3" name="Ondertitel 2"/>
+          <p:cNvSpPr>
+            <a:spLocks noGrp="1"/>
+          </p:cNvSpPr>
+          <p:nvPr>
+            <p:ph type="subTitle" idx="1"/>
+          </p:nvPr>
+        </p:nvSpPr>
+        <p:spPr>
+          <a:xfrm>
+            <a:off x="0" y="1607272"/>
+            <a:ext cx="12192000" cy="1655762"/>
+          </a:xfrm>
+        </p:spPr>
+        <p:txBody>
+          <a:bodyPr>
+            <a:normAutofit fontScale="92500"/>
+          </a:bodyPr>
+          <a:lstStyle/>
+          <a:p>
+            <a:r>
+              <a:rPr lang="nl-BE" sz="2800" u="sng" dirty="0" smtClean="0"/>
+              <a:t>Onderzoeksvragen:</a:t>
+            </a:r>
+            <a:endParaRPr lang="nl-BE" sz="2800" dirty="0" smtClean="0"/>
+          </a:p>
+          <a:p>
+            <a:pPr algn="l"/>
+            <a:r>
+              <a:rPr lang="nl-NL" sz="2800" dirty="0"/>
+              <a:t>1. Leid experimenteel de vergelijking van de </a:t>
+            </a:r>
+            <a:r>
+              <a:rPr lang="nl-NL" sz="2800"/>
+              <a:t>Lorentzkracht </a:t>
+            </a:r>
+            <a:r>
+              <a:rPr lang="nl-NL" sz="2800" smtClean="0"/>
+              <a:t>af.</a:t>
+            </a:r>
+            <a:endParaRPr lang="nl-BE" sz="2800" dirty="0"/>
+          </a:p>
+          <a:p>
+            <a:pPr algn="l"/>
+            <a:r>
+              <a:rPr lang="nl-NL" sz="2800" dirty="0"/>
+              <a:t>2. We zoeken een methode om de magnetische veldsterkte van een magneet te bepalen. </a:t>
+            </a:r>
+            <a:endParaRPr lang="nl-BE" sz="2800" dirty="0"/>
+          </a:p>
+          <a:p>
+            <a:pPr algn="l"/>
+            <a:endParaRPr lang="nl-BE" u="sng" dirty="0"/>
+          </a:p>
+        </p:txBody>
+      </p:sp>
+      <p:sp>
+        <p:nvSpPr>
+          <p:cNvPr id="6" name="Tekstvak 5"/>
+          <p:cNvSpPr txBox="1"/>
+          <p:nvPr/>
+        </p:nvSpPr>
+        <p:spPr>
+          <a:xfrm>
+            <a:off x="0" y="3620655"/>
+            <a:ext cx="12192000" cy="1569660"/>
+          </a:xfrm>
+          <a:prstGeom prst="rect">
+            <a:avLst/>
+          </a:prstGeom>
+          <a:noFill/>
+        </p:spPr>
+        <p:txBody>
+          <a:bodyPr wrap="square" rtlCol="0">
+            <a:spAutoFit/>
+          </a:bodyPr>
+          <a:lstStyle/>
+          <a:p>
+            <a:r>
+              <a:rPr lang="nl-NL" sz="2600" dirty="0" smtClean="0"/>
+              <a:t>Hoe?</a:t>
+            </a:r>
+            <a:endParaRPr lang="nl-NL" sz="2600" dirty="0"/>
+          </a:p>
+          <a:p>
+            <a:pPr marL="457200" indent="-457200">
+              <a:buFont typeface="Arial" panose="020B0604020202020204" pitchFamily="34" charset="0"/>
+              <a:buChar char="•"/>
+            </a:pPr>
+            <a:r>
+              <a:rPr lang="nl-NL" sz="2600" dirty="0" smtClean="0"/>
+              <a:t>Zoek verband </a:t>
+            </a:r>
+            <a:r>
+              <a:rPr lang="nl-NL" sz="2600" dirty="0"/>
+              <a:t>tussen de Lorentzkracht F en de stroomsterkte I bij constante lengte </a:t>
+            </a:r>
+            <a:r>
+              <a:rPr lang="nl-NL" sz="2600" dirty="0" smtClean="0"/>
+              <a:t>L.</a:t>
+            </a:r>
+            <a:endParaRPr lang="nl-NL" sz="2600" dirty="0"/>
+          </a:p>
+          <a:p>
+            <a:pPr marL="457200" indent="-457200">
+              <a:buFont typeface="Arial" panose="020B0604020202020204" pitchFamily="34" charset="0"/>
+              <a:buChar char="•"/>
+            </a:pPr>
+            <a:r>
+              <a:rPr lang="nl-NL" sz="2600" dirty="0" smtClean="0"/>
+              <a:t>Zoek verband </a:t>
+            </a:r>
+            <a:r>
+              <a:rPr lang="nl-NL" sz="2600" dirty="0"/>
+              <a:t>tussen de Lorentzkracht F en de lengte L bij constante stroomsterkte </a:t>
+            </a:r>
+            <a:r>
+              <a:rPr lang="nl-NL" sz="2600" dirty="0" smtClean="0"/>
+              <a:t>I.</a:t>
+            </a:r>
+            <a:endParaRPr lang="nl-BE" sz="2600" dirty="0"/>
+          </a:p>
+          <a:p>
+            <a:endParaRPr lang="nl-BE" dirty="0"/>
+          </a:p>
+        </p:txBody>
+      </p:sp>
+    </p:spTree>
+    <p:extLst>
+      <p:ext uri="{BB962C8B-B14F-4D97-AF65-F5344CB8AC3E}">
+        <p14:creationId xmlns:p14="http://schemas.microsoft.com/office/powerpoint/2010/main" val="2267031367"/>
+      </p:ext>
+    </p:extLst>
+  </p:cSld>
+  <p:clrMapOvr>
+    <a:masterClrMapping/>
+  </p:clrMapOvr>
+  <p:timing>
+    <p:tnLst>
+      <p:par>
+        <p:cTn id="1" dur="indefinite" restart="never" nodeType="tmRoot"/>
+      </p:par>
+    </p:tnLst>
+  </p:timing>
+</p:sld>
+</file>
+
 <file path=ppt/theme/theme1.xml><?xml version="1.0" encoding="utf-8"?>
 <a:theme xmlns:a="http://schemas.openxmlformats.org/drawingml/2006/main" name="Kantoorthema">
   <a:themeElements>

--- a/Labo M4.pptx
+++ b/Labo M4.pptx
@@ -6812,14 +6812,10 @@
             <a:pPr algn="l"/>
             <a:r>
               <a:rPr lang="nl-NL" sz="2800" dirty="0"/>
-              <a:t>1. Leid experimenteel de vergelijking van de </a:t>
-            </a:r>
-            <a:r>
-              <a:rPr lang="nl-NL" sz="2800"/>
-              <a:t>Lorentzkracht </a:t>
-            </a:r>
-            <a:r>
-              <a:rPr lang="nl-NL" sz="2800" smtClean="0"/>
+              <a:t>1. Leid experimenteel de vergelijking van de Lorentzkracht </a:t>
+            </a:r>
+            <a:r>
+              <a:rPr lang="nl-NL" sz="2800" dirty="0" smtClean="0"/>
               <a:t>af.</a:t>
             </a:r>
             <a:endParaRPr lang="nl-BE" sz="2800" dirty="0"/>
@@ -6838,77 +6834,133 @@
           </a:p>
         </p:txBody>
       </p:sp>
-      <p:sp>
-        <p:nvSpPr>
-          <p:cNvPr id="6" name="Tekstvak 5"/>
-          <p:cNvSpPr txBox="1"/>
-          <p:nvPr/>
-        </p:nvSpPr>
-        <p:spPr>
-          <a:xfrm>
-            <a:off x="0" y="3620655"/>
-            <a:ext cx="12192000" cy="1569660"/>
-          </a:xfrm>
-          <a:prstGeom prst="rect">
-            <a:avLst/>
-          </a:prstGeom>
-          <a:noFill/>
-        </p:spPr>
-        <p:txBody>
-          <a:bodyPr wrap="square" rtlCol="0">
-            <a:spAutoFit/>
-          </a:bodyPr>
-          <a:lstStyle/>
-          <a:p>
-            <a:r>
-              <a:rPr lang="nl-NL" sz="2600" dirty="0" smtClean="0"/>
-              <a:t>Hoe?</a:t>
-            </a:r>
-            <a:endParaRPr lang="nl-NL" sz="2600" dirty="0"/>
-          </a:p>
-          <a:p>
-            <a:pPr marL="457200" indent="-457200">
-              <a:buFont typeface="Arial" panose="020B0604020202020204" pitchFamily="34" charset="0"/>
-              <a:buChar char="•"/>
-            </a:pPr>
-            <a:r>
-              <a:rPr lang="nl-NL" sz="2600" dirty="0" smtClean="0"/>
-              <a:t>Zoek verband </a:t>
-            </a:r>
-            <a:r>
-              <a:rPr lang="nl-NL" sz="2600" dirty="0"/>
-              <a:t>tussen de Lorentzkracht F en de stroomsterkte I bij constante lengte </a:t>
-            </a:r>
-            <a:r>
-              <a:rPr lang="nl-NL" sz="2600" dirty="0" smtClean="0"/>
-              <a:t>L.</a:t>
-            </a:r>
-            <a:endParaRPr lang="nl-NL" sz="2600" dirty="0"/>
-          </a:p>
-          <a:p>
-            <a:pPr marL="457200" indent="-457200">
-              <a:buFont typeface="Arial" panose="020B0604020202020204" pitchFamily="34" charset="0"/>
-              <a:buChar char="•"/>
-            </a:pPr>
-            <a:r>
-              <a:rPr lang="nl-NL" sz="2600" dirty="0" smtClean="0"/>
-              <a:t>Zoek verband </a:t>
-            </a:r>
-            <a:r>
-              <a:rPr lang="nl-NL" sz="2600" dirty="0"/>
-              <a:t>tussen de Lorentzkracht F en de lengte L bij constante stroomsterkte </a:t>
-            </a:r>
-            <a:r>
-              <a:rPr lang="nl-NL" sz="2600" dirty="0" smtClean="0"/>
-              <a:t>I.</a:t>
-            </a:r>
-            <a:endParaRPr lang="nl-BE" sz="2600" dirty="0"/>
-          </a:p>
-          <a:p>
-            <a:endParaRPr lang="nl-BE" dirty="0"/>
-          </a:p>
-        </p:txBody>
-      </p:sp>
+      <mc:AlternateContent xmlns:mc="http://schemas.openxmlformats.org/markup-compatibility/2006">
+        <mc:Choice xmlns:a14="http://schemas.microsoft.com/office/drawing/2010/main" Requires="a14">
+          <p:sp>
+            <p:nvSpPr>
+              <p:cNvPr id="6" name="Tekstvak 5"/>
+              <p:cNvSpPr txBox="1"/>
+              <p:nvPr/>
+            </p:nvSpPr>
+            <p:spPr>
+              <a:xfrm>
+                <a:off x="0" y="3620655"/>
+                <a:ext cx="12192000" cy="2369880"/>
+              </a:xfrm>
+              <a:prstGeom prst="rect">
+                <a:avLst/>
+              </a:prstGeom>
+              <a:noFill/>
+            </p:spPr>
+            <p:txBody>
+              <a:bodyPr wrap="square" rtlCol="0">
+                <a:spAutoFit/>
+              </a:bodyPr>
+              <a:lstStyle/>
+              <a:p>
+                <a:r>
+                  <a:rPr lang="nl-NL" sz="2600" dirty="0" smtClean="0"/>
+                  <a:t>Hoe?</a:t>
+                </a:r>
+                <a:endParaRPr lang="nl-NL" sz="2600" dirty="0"/>
+              </a:p>
+              <a:p>
+                <a:pPr marL="457200" indent="-457200">
+                  <a:buFont typeface="Arial" panose="020B0604020202020204" pitchFamily="34" charset="0"/>
+                  <a:buChar char="•"/>
+                </a:pPr>
+                <a:r>
+                  <a:rPr lang="nl-NL" sz="2600" dirty="0" smtClean="0"/>
+                  <a:t>Zoek het verband </a:t>
+                </a:r>
+                <a:r>
+                  <a:rPr lang="nl-NL" sz="2600" dirty="0"/>
+                  <a:t>tussen de Lorentzkracht F en de stroomsterkte I bij constante lengte </a:t>
+                </a:r>
+                <a:r>
+                  <a:rPr lang="nl-NL" sz="2600" dirty="0" smtClean="0"/>
+                  <a:t>L. Voer hierbij 8 metingen uit (0 A </a:t>
+                </a:r>
+                <a14:m>
+                  <m:oMath xmlns:m="http://schemas.openxmlformats.org/officeDocument/2006/math">
+                    <m:r>
+                      <a:rPr lang="nl-BE" sz="2600" b="0" i="1" smtClean="0">
+                        <a:latin typeface="Cambria Math" panose="02040503050406030204" pitchFamily="18" charset="0"/>
+                      </a:rPr>
+                      <m:t>→</m:t>
+                    </m:r>
+                  </m:oMath>
+                </a14:m>
+                <a:r>
+                  <a:rPr lang="nl-NL" sz="2600" dirty="0" smtClean="0"/>
+                  <a:t> 4 A per 0,5 A),</a:t>
+                </a:r>
+                <a:endParaRPr lang="nl-NL" sz="2600" dirty="0"/>
+              </a:p>
+              <a:p>
+                <a:pPr marL="457200" indent="-457200">
+                  <a:buFont typeface="Arial" panose="020B0604020202020204" pitchFamily="34" charset="0"/>
+                  <a:buChar char="•"/>
+                </a:pPr>
+                <a:r>
+                  <a:rPr lang="nl-NL" sz="2600" dirty="0" smtClean="0"/>
+                  <a:t>Zoek het verband </a:t>
+                </a:r>
+                <a:r>
+                  <a:rPr lang="nl-NL" sz="2600" dirty="0"/>
+                  <a:t>tussen de Lorentzkracht F en de lengte L bij constante stroomsterkte </a:t>
+                </a:r>
+                <a:r>
+                  <a:rPr lang="nl-NL" sz="2600" dirty="0" smtClean="0"/>
+                  <a:t>I. Er zijn 6 verschillende lengtes beschikbaar.</a:t>
+                </a:r>
+                <a:endParaRPr lang="nl-BE" sz="2600" dirty="0"/>
+              </a:p>
+              <a:p>
+                <a:endParaRPr lang="nl-BE" dirty="0"/>
+              </a:p>
+            </p:txBody>
+          </p:sp>
+        </mc:Choice>
+        <mc:Fallback>
+          <p:sp>
+            <p:nvSpPr>
+              <p:cNvPr id="6" name="Tekstvak 5"/>
+              <p:cNvSpPr txBox="1">
+                <a:spLocks noRot="1" noChangeAspect="1" noMove="1" noResize="1" noEditPoints="1" noAdjustHandles="1" noChangeArrowheads="1" noChangeShapeType="1" noTextEdit="1"/>
+              </p:cNvSpPr>
+              <p:nvPr/>
+            </p:nvSpPr>
+            <p:spPr>
+              <a:xfrm>
+                <a:off x="0" y="3620655"/>
+                <a:ext cx="12192000" cy="2369880"/>
+              </a:xfrm>
+              <a:prstGeom prst="rect">
+                <a:avLst/>
+              </a:prstGeom>
+              <a:blipFill>
+                <a:blip r:embed="rId2"/>
+                <a:stretch>
+                  <a:fillRect l="-900" t="-2057" r="-1450"/>
+                </a:stretch>
+              </a:blipFill>
+            </p:spPr>
+            <p:txBody>
+              <a:bodyPr/>
+              <a:lstStyle/>
+              <a:p>
+                <a:r>
+                  <a:rPr lang="nl-BE">
+                    <a:noFill/>
+                  </a:rPr>
+                  <a:t> </a:t>
+                </a:r>
+              </a:p>
+            </p:txBody>
+          </p:sp>
+        </mc:Fallback>
+      </mc:AlternateContent>
     </p:spTree>
     <p:extLst>
       <p:ext uri="{BB962C8B-B14F-4D97-AF65-F5344CB8AC3E}">
